--- a/Automationdashboard/MAIN_FOLDER/Automation_Dashboard_Batterywise/V2/D11_03_2024/B4_BT06_17.05_17.45/analysis_B4_BT06_17.05_17.45.pptx
+++ b/Automationdashboard/MAIN_FOLDER/Automation_Dashboard_Batterywise/V2/D11_03_2024/B4_BT06_17.05_17.45/analysis_B4_BT06_17.05_17.45.pptx
@@ -3246,7 +3246,7 @@
                     <a:lstStyle/>
                     <a:p>
                       <a:r>
-                        <a:t>0 days 00:39:56.273000</a:t>
+                        <a:t>0 days 00:39:44.831000</a:t>
                       </a:r>
                     </a:p>
                   </a:txBody>
@@ -3272,7 +3272,7 @@
                     <a:lstStyle/>
                     <a:p>
                       <a:r>
-                        <a:t>20.897132222222226</a:t>
+                        <a:t>20.89532472222222</a:t>
                       </a:r>
                     </a:p>
                   </a:txBody>
@@ -3298,7 +3298,7 @@
                     <a:lstStyle/>
                     <a:p>
                       <a:r>
-                        <a:t>1058.0849816355556</a:t>
+                        <a:t>1057.992809768889</a:t>
                       </a:r>
                     </a:p>
                   </a:txBody>
@@ -3350,7 +3350,7 @@
                     <a:lstStyle/>
                     <a:p>
                       <a:r>
-                        <a:t>3.427</a:t>
+                        <a:t>3.429</a:t>
                       </a:r>
                     </a:p>
                   </a:txBody>
@@ -3376,6 +3376,32 @@
                     <a:lstStyle/>
                     <a:p>
                       <a:r>
+                        <a:t>63.0</a:t>
+                      </a:r>
+                    </a:p>
+                  </a:txBody>
+                  <a:tcPr/>
+                </a:tc>
+              </a:tr>
+              <a:tr h="326571">
+                <a:tc>
+                  <a:txBody>
+                    <a:bodyPr/>
+                    <a:lstStyle/>
+                    <a:p>
+                      <a:r>
+                        <a:t>Ending SoC (%)</a:t>
+                      </a:r>
+                    </a:p>
+                  </a:txBody>
+                  <a:tcPr/>
+                </a:tc>
+                <a:tc>
+                  <a:txBody>
+                    <a:bodyPr/>
+                    <a:lstStyle/>
+                    <a:p>
+                      <a:r>
                         <a:t>8.0</a:t>
                       </a:r>
                     </a:p>
@@ -3390,19 +3416,19 @@
                     <a:lstStyle/>
                     <a:p>
                       <a:r>
-                        <a:t>Ending SoC (%)</a:t>
-                      </a:r>
-                    </a:p>
-                  </a:txBody>
-                  <a:tcPr/>
-                </a:tc>
-                <a:tc>
-                  <a:txBody>
-                    <a:bodyPr/>
-                    <a:lstStyle/>
-                    <a:p>
-                      <a:r>
-                        <a:t>63.0</a:t>
+                        <a:t>Total distance covered (km)</a:t>
+                      </a:r>
+                    </a:p>
+                  </a:txBody>
+                  <a:tcPr/>
+                </a:tc>
+                <a:tc>
+                  <a:txBody>
+                    <a:bodyPr/>
+                    <a:lstStyle/>
+                    <a:p>
+                      <a:r>
+                        <a:t>24.51783489577219</a:t>
                       </a:r>
                     </a:p>
                   </a:txBody>
@@ -3416,19 +3442,19 @@
                     <a:lstStyle/>
                     <a:p>
                       <a:r>
-                        <a:t>Total distance covered (in kilometers)</a:t>
-                      </a:r>
-                    </a:p>
-                  </a:txBody>
-                  <a:tcPr/>
-                </a:tc>
-                <a:tc>
-                  <a:txBody>
-                    <a:bodyPr/>
-                    <a:lstStyle/>
-                    <a:p>
-                      <a:r>
-                        <a:t>24.58373603844754</a:t>
+                        <a:t>Total energy consumption(WH/KM)</a:t>
+                      </a:r>
+                    </a:p>
+                  </a:txBody>
+                  <a:tcPr/>
+                </a:tc>
+                <a:tc>
+                  <a:txBody>
+                    <a:bodyPr/>
+                    <a:lstStyle/>
+                    <a:p>
+                      <a:r>
+                        <a:t>43.15196730325186</a:t>
                       </a:r>
                     </a:p>
                   </a:txBody>
@@ -3442,19 +3468,19 @@
                     <a:lstStyle/>
                     <a:p>
                       <a:r>
-                        <a:t>WH/KM</a:t>
-                      </a:r>
-                    </a:p>
-                  </a:txBody>
-                  <a:tcPr/>
-                </a:tc>
-                <a:tc>
-                  <a:txBody>
-                    <a:bodyPr/>
-                    <a:lstStyle/>
-                    <a:p>
-                      <a:r>
-                        <a:t>43.040039967105564</a:t>
+                        <a:t>Total SOC consumed(%)</a:t>
+                      </a:r>
+                    </a:p>
+                  </a:txBody>
+                  <a:tcPr/>
+                </a:tc>
+                <a:tc>
+                  <a:txBody>
+                    <a:bodyPr/>
+                    <a:lstStyle/>
+                    <a:p>
+                      <a:r>
+                        <a:t>55.0</a:t>
                       </a:r>
                     </a:p>
                   </a:txBody>
@@ -3468,19 +3494,34 @@
                     <a:lstStyle/>
                     <a:p>
                       <a:r>
-                        <a:t>Total SOC consumed</a:t>
-                      </a:r>
-                    </a:p>
-                  </a:txBody>
-                  <a:tcPr/>
-                </a:tc>
-                <a:tc>
-                  <a:txBody>
-                    <a:bodyPr/>
-                    <a:lstStyle/>
-                    <a:p>
-                      <a:r>
-                        <a:t>55.0</a:t>
+                        <a:t>Mode</a:t>
+                      </a:r>
+                    </a:p>
+                  </a:txBody>
+                  <a:tcPr/>
+                </a:tc>
+                <a:tc>
+                  <a:txBody>
+                    <a:bodyPr/>
+                    <a:lstStyle/>
+                    <a:p>
+                      <a:r>
+                        <a:t>Custom mode</a:t>
+                      </a:r>
+                    </a:p>
+                    <a:p>
+                      <a:r>
+                        <a:t>57.25%</a:t>
+                      </a:r>
+                    </a:p>
+                    <a:p>
+                      <a:r>
+                        <a:t>Eco mode</a:t>
+                      </a:r>
+                    </a:p>
+                    <a:p>
+                      <a:r>
+                        <a:t>42.75%</a:t>
                       </a:r>
                     </a:p>
                   </a:txBody>
@@ -3494,48 +3535,7 @@
                     <a:lstStyle/>
                     <a:p>
                       <a:r>
-                        <a:t>Mode</a:t>
-                      </a:r>
-                    </a:p>
-                  </a:txBody>
-                  <a:tcPr/>
-                </a:tc>
-                <a:tc>
-                  <a:txBody>
-                    <a:bodyPr/>
-                    <a:lstStyle/>
-                    <a:p>
-                      <a:r>
-                        <a:t>Custom mode</a:t>
-                      </a:r>
-                    </a:p>
-                    <a:p>
-                      <a:r>
-                        <a:t>56.98%</a:t>
-                      </a:r>
-                    </a:p>
-                    <a:p>
-                      <a:r>
-                        <a:t>Eco mode</a:t>
-                      </a:r>
-                    </a:p>
-                    <a:p>
-                      <a:r>
-                        <a:t>43.02%</a:t>
-                      </a:r>
-                    </a:p>
-                  </a:txBody>
-                  <a:tcPr/>
-                </a:tc>
-              </a:tr>
-              <a:tr h="326571">
-                <a:tc>
-                  <a:txBody>
-                    <a:bodyPr/>
-                    <a:lstStyle/>
-                    <a:p>
-                      <a:r>
-                        <a:t>Peak Power</a:t>
+                        <a:t>Peak Power(kW)</a:t>
                       </a:r>
                     </a:p>
                   </a:txBody>
@@ -3561,19 +3561,19 @@
                     <a:lstStyle/>
                     <a:p>
                       <a:r>
-                        <a:t>Average Power</a:t>
-                      </a:r>
-                    </a:p>
-                  </a:txBody>
-                  <a:tcPr/>
-                </a:tc>
-                <a:tc>
-                  <a:txBody>
-                    <a:bodyPr/>
-                    <a:lstStyle/>
-                    <a:p>
-                      <a:r>
-                        <a:t>-1595.1029873902849</a:t>
+                        <a:t>Average Power(kW)</a:t>
+                      </a:r>
+                    </a:p>
+                  </a:txBody>
+                  <a:tcPr/>
+                </a:tc>
+                <a:tc>
+                  <a:txBody>
+                    <a:bodyPr/>
+                    <a:lstStyle/>
+                    <a:p>
+                      <a:r>
+                        <a:t>-1602.3450211055954</a:t>
                       </a:r>
                     </a:p>
                   </a:txBody>
@@ -3678,7 +3678,7 @@
                     <a:lstStyle/>
                     <a:p>
                       <a:r>
-                        <a:t>Total Energy Regenerated</a:t>
+                        <a:t>Total Energy Regenerated(kWh)</a:t>
                       </a:r>
                     </a:p>
                   </a:txBody>
@@ -3704,19 +3704,19 @@
                     <a:lstStyle/>
                     <a:p>
                       <a:r>
-                        <a:t>Regenerative Effectiveness</a:t>
-                      </a:r>
-                    </a:p>
-                  </a:txBody>
-                  <a:tcPr/>
-                </a:tc>
-                <a:tc>
-                  <a:txBody>
-                    <a:bodyPr/>
-                    <a:lstStyle/>
-                    <a:p>
-                      <a:r>
-                        <a:t>-0.005769735277205185</a:t>
+                        <a:t>Regenerative Effectiveness(%)</a:t>
+                      </a:r>
+                    </a:p>
+                  </a:txBody>
+                  <a:tcPr/>
+                </a:tc>
+                <a:tc>
+                  <a:txBody>
+                    <a:bodyPr/>
+                    <a:lstStyle/>
+                    <a:p>
+                      <a:r>
+                        <a:t>0.005770237904991706</a:t>
                       </a:r>
                     </a:p>
                   </a:txBody>
@@ -3730,7 +3730,33 @@
                     <a:lstStyle/>
                     <a:p>
                       <a:r>
-                        <a:t>Lowest Cell Voltage</a:t>
+                        <a:t>Highest Cell Voltage(V)</a:t>
+                      </a:r>
+                    </a:p>
+                  </a:txBody>
+                  <a:tcPr/>
+                </a:tc>
+                <a:tc>
+                  <a:txBody>
+                    <a:bodyPr/>
+                    <a:lstStyle/>
+                    <a:p>
+                      <a:r>
+                        <a:t>3.338</a:t>
+                      </a:r>
+                    </a:p>
+                  </a:txBody>
+                  <a:tcPr/>
+                </a:tc>
+              </a:tr>
+              <a:tr h="326571">
+                <a:tc>
+                  <a:txBody>
+                    <a:bodyPr/>
+                    <a:lstStyle/>
+                    <a:p>
+                      <a:r>
+                        <a:t>Lowest Cell Voltage(V)</a:t>
                       </a:r>
                     </a:p>
                   </a:txBody>
@@ -3756,19 +3782,19 @@
                     <a:lstStyle/>
                     <a:p>
                       <a:r>
-                        <a:t>Highest Cell Voltage</a:t>
-                      </a:r>
-                    </a:p>
-                  </a:txBody>
-                  <a:tcPr/>
-                </a:tc>
-                <a:tc>
-                  <a:txBody>
-                    <a:bodyPr/>
-                    <a:lstStyle/>
-                    <a:p>
-                      <a:r>
-                        <a:t>3.338</a:t>
+                        <a:t>Difference in Cell Voltage(V)</a:t>
+                      </a:r>
+                    </a:p>
+                  </a:txBody>
+                  <a:tcPr/>
+                </a:tc>
+                <a:tc>
+                  <a:txBody>
+                    <a:bodyPr/>
+                    <a:lstStyle/>
+                    <a:p>
+                      <a:r>
+                        <a:t>0.30400000000000027</a:t>
                       </a:r>
                     </a:p>
                   </a:txBody>
@@ -3782,19 +3808,19 @@
                     <a:lstStyle/>
                     <a:p>
                       <a:r>
-                        <a:t>Difference in Cell Voltage</a:t>
-                      </a:r>
-                    </a:p>
-                  </a:txBody>
-                  <a:tcPr/>
-                </a:tc>
-                <a:tc>
-                  <a:txBody>
-                    <a:bodyPr/>
-                    <a:lstStyle/>
-                    <a:p>
-                      <a:r>
-                        <a:t>0.30400000000000027</a:t>
+                        <a:t>Minimum Temperature(C)</a:t>
+                      </a:r>
+                    </a:p>
+                  </a:txBody>
+                  <a:tcPr/>
+                </a:tc>
+                <a:tc>
+                  <a:txBody>
+                    <a:bodyPr/>
+                    <a:lstStyle/>
+                    <a:p>
+                      <a:r>
+                        <a:t>40.0</a:t>
                       </a:r>
                     </a:p>
                   </a:txBody>
@@ -3808,19 +3834,19 @@
                     <a:lstStyle/>
                     <a:p>
                       <a:r>
-                        <a:t>Minimum Temperature</a:t>
-                      </a:r>
-                    </a:p>
-                  </a:txBody>
-                  <a:tcPr/>
-                </a:tc>
-                <a:tc>
-                  <a:txBody>
-                    <a:bodyPr/>
-                    <a:lstStyle/>
-                    <a:p>
-                      <a:r>
-                        <a:t>40.0</a:t>
+                        <a:t>Maximum Temperature(C)</a:t>
+                      </a:r>
+                    </a:p>
+                  </a:txBody>
+                  <a:tcPr/>
+                </a:tc>
+                <a:tc>
+                  <a:txBody>
+                    <a:bodyPr/>
+                    <a:lstStyle/>
+                    <a:p>
+                      <a:r>
+                        <a:t>47.0</a:t>
                       </a:r>
                     </a:p>
                   </a:txBody>
@@ -3834,19 +3860,19 @@
                     <a:lstStyle/>
                     <a:p>
                       <a:r>
-                        <a:t>Maximum Temperature</a:t>
-                      </a:r>
-                    </a:p>
-                  </a:txBody>
-                  <a:tcPr/>
-                </a:tc>
-                <a:tc>
-                  <a:txBody>
-                    <a:bodyPr/>
-                    <a:lstStyle/>
-                    <a:p>
-                      <a:r>
-                        <a:t>47.0</a:t>
+                        <a:t>Difference in Temperature(C)</a:t>
+                      </a:r>
+                    </a:p>
+                  </a:txBody>
+                  <a:tcPr/>
+                </a:tc>
+                <a:tc>
+                  <a:txBody>
+                    <a:bodyPr/>
+                    <a:lstStyle/>
+                    <a:p>
+                      <a:r>
+                        <a:t>7.0</a:t>
                       </a:r>
                     </a:p>
                   </a:txBody>
@@ -3860,19 +3886,19 @@
                     <a:lstStyle/>
                     <a:p>
                       <a:r>
-                        <a:t>Difference in Temperature</a:t>
-                      </a:r>
-                    </a:p>
-                  </a:txBody>
-                  <a:tcPr/>
-                </a:tc>
-                <a:tc>
-                  <a:txBody>
-                    <a:bodyPr/>
-                    <a:lstStyle/>
-                    <a:p>
-                      <a:r>
-                        <a:t>nan</a:t>
+                        <a:t>Maximum Fet Temperature-BMS(C)</a:t>
+                      </a:r>
+                    </a:p>
+                  </a:txBody>
+                  <a:tcPr/>
+                </a:tc>
+                <a:tc>
+                  <a:txBody>
+                    <a:bodyPr/>
+                    <a:lstStyle/>
+                    <a:p>
+                      <a:r>
+                        <a:t>66.0</a:t>
                       </a:r>
                     </a:p>
                   </a:txBody>
@@ -3886,19 +3912,19 @@
                     <a:lstStyle/>
                     <a:p>
                       <a:r>
-                        <a:t>Maximum Fet Temperature</a:t>
-                      </a:r>
-                    </a:p>
-                  </a:txBody>
-                  <a:tcPr/>
-                </a:tc>
-                <a:tc>
-                  <a:txBody>
-                    <a:bodyPr/>
-                    <a:lstStyle/>
-                    <a:p>
-                      <a:r>
-                        <a:t>66.0</a:t>
+                        <a:t>Maximum Afe Temperature-BMS(C)</a:t>
+                      </a:r>
+                    </a:p>
+                  </a:txBody>
+                  <a:tcPr/>
+                </a:tc>
+                <a:tc>
+                  <a:txBody>
+                    <a:bodyPr/>
+                    <a:lstStyle/>
+                    <a:p>
+                      <a:r>
+                        <a:t>61.0</a:t>
                       </a:r>
                     </a:p>
                   </a:txBody>
@@ -3912,19 +3938,19 @@
                     <a:lstStyle/>
                     <a:p>
                       <a:r>
-                        <a:t>Maximum Afe Temperature</a:t>
-                      </a:r>
-                    </a:p>
-                  </a:txBody>
-                  <a:tcPr/>
-                </a:tc>
-                <a:tc>
-                  <a:txBody>
-                    <a:bodyPr/>
-                    <a:lstStyle/>
-                    <a:p>
-                      <a:r>
-                        <a:t>61.0</a:t>
+                        <a:t>Maximum PCB Temperature-BMS(C)</a:t>
+                      </a:r>
+                    </a:p>
+                  </a:txBody>
+                  <a:tcPr/>
+                </a:tc>
+                <a:tc>
+                  <a:txBody>
+                    <a:bodyPr/>
+                    <a:lstStyle/>
+                    <a:p>
+                      <a:r>
+                        <a:t>62.0</a:t>
                       </a:r>
                     </a:p>
                   </a:txBody>
@@ -3938,33 +3964,7 @@
                     <a:lstStyle/>
                     <a:p>
                       <a:r>
-                        <a:t>Maximum PCB Temperature</a:t>
-                      </a:r>
-                    </a:p>
-                  </a:txBody>
-                  <a:tcPr/>
-                </a:tc>
-                <a:tc>
-                  <a:txBody>
-                    <a:bodyPr/>
-                    <a:lstStyle/>
-                    <a:p>
-                      <a:r>
-                        <a:t>62.0</a:t>
-                      </a:r>
-                    </a:p>
-                  </a:txBody>
-                  <a:tcPr/>
-                </a:tc>
-              </a:tr>
-              <a:tr h="326571">
-                <a:tc>
-                  <a:txBody>
-                    <a:bodyPr/>
-                    <a:lstStyle/>
-                    <a:p>
-                      <a:r>
-                        <a:t>Maximum MCU Temperature</a:t>
+                        <a:t>Maximum MCU Temperature(C)</a:t>
                       </a:r>
                     </a:p>
                   </a:txBody>
@@ -3990,7 +3990,7 @@
                     <a:lstStyle/>
                     <a:p>
                       <a:r>
-                        <a:t>Maximum Motor Temperature</a:t>
+                        <a:t>Maximum Motor Temperature(C)</a:t>
                       </a:r>
                     </a:p>
                   </a:txBody>
@@ -4107,7 +4107,7 @@
                     <a:lstStyle/>
                     <a:p>
                       <a:r>
-                        <a:t>Abnormal Motor Temperature Detected</a:t>
+                        <a:t>Abnormal Motor Temperature Detected(C)</a:t>
                       </a:r>
                     </a:p>
                   </a:txBody>
@@ -4133,7 +4133,7 @@
                     <a:lstStyle/>
                     <a:p>
                       <a:r>
-                        <a:t>lowest cell temp</a:t>
+                        <a:t>highest cell temp(C)</a:t>
                       </a:r>
                     </a:p>
                   </a:txBody>
@@ -4159,7 +4159,7 @@
                     <a:lstStyle/>
                     <a:p>
                       <a:r>
-                        <a:t>highest cell temp</a:t>
+                        <a:t>lowest cell temp(C)</a:t>
                       </a:r>
                     </a:p>
                   </a:txBody>
@@ -4185,7 +4185,7 @@
                     <a:lstStyle/>
                     <a:p>
                       <a:r>
-                        <a:t>Difference between Highest and Lowest Cell Temperature at 100% SOC</a:t>
+                        <a:t>Difference between Highest and Lowest Cell Temperature at 100% SOC(C)</a:t>
                       </a:r>
                     </a:p>
                   </a:txBody>
@@ -4211,19 +4211,19 @@
                     <a:lstStyle/>
                     <a:p>
                       <a:r>
-                        <a:t>Maximum BMS Temperature in C</a:t>
-                      </a:r>
-                    </a:p>
-                  </a:txBody>
-                  <a:tcPr/>
-                </a:tc>
-                <a:tc>
-                  <a:txBody>
-                    <a:bodyPr/>
-                    <a:lstStyle/>
-                    <a:p>
-                      <a:r>
-                        <a:t>66.0</a:t>
+                        <a:t>Battery Voltage(V)</a:t>
+                      </a:r>
+                    </a:p>
+                  </a:txBody>
+                  <a:tcPr/>
+                </a:tc>
+                <a:tc>
+                  <a:txBody>
+                    <a:bodyPr/>
+                    <a:lstStyle/>
+                    <a:p>
+                      <a:r>
+                        <a:t>53.0</a:t>
                       </a:r>
                     </a:p>
                   </a:txBody>
@@ -4237,19 +4237,19 @@
                     <a:lstStyle/>
                     <a:p>
                       <a:r>
-                        <a:t>Battery Voltage</a:t>
-                      </a:r>
-                    </a:p>
-                  </a:txBody>
-                  <a:tcPr/>
-                </a:tc>
-                <a:tc>
-                  <a:txBody>
-                    <a:bodyPr/>
-                    <a:lstStyle/>
-                    <a:p>
-                      <a:r>
-                        <a:t>5.3</a:t>
+                        <a:t>Total energy charged(kWh)</a:t>
+                      </a:r>
+                    </a:p>
+                  </a:txBody>
+                  <a:tcPr/>
+                </a:tc>
+                <a:tc>
+                  <a:txBody>
+                    <a:bodyPr/>
+                    <a:lstStyle/>
+                    <a:p>
+                      <a:r>
+                        <a:t>1.1074522102777775</a:t>
                       </a:r>
                     </a:p>
                   </a:txBody>
@@ -4263,19 +4263,19 @@
                     <a:lstStyle/>
                     <a:p>
                       <a:r>
-                        <a:t>Total energy charged in kWh</a:t>
-                      </a:r>
-                    </a:p>
-                  </a:txBody>
-                  <a:tcPr/>
-                </a:tc>
-                <a:tc>
-                  <a:txBody>
-                    <a:bodyPr/>
-                    <a:lstStyle/>
-                    <a:p>
-                      <a:r>
-                        <a:t>0.11075480077777779</a:t>
+                        <a:t>Electricity consumption units(kW)</a:t>
+                      </a:r>
+                    </a:p>
+                  </a:txBody>
+                  <a:tcPr/>
+                </a:tc>
+                <a:tc>
+                  <a:txBody>
+                    <a:bodyPr/>
+                    <a:lstStyle/>
+                    <a:p>
+                      <a:r>
+                        <a:t>1.2903758975085962e-07</a:t>
                       </a:r>
                     </a:p>
                   </a:txBody>
@@ -4289,19 +4289,19 @@
                     <a:lstStyle/>
                     <a:p>
                       <a:r>
-                        <a:t>Electricity consumption units in kW</a:t>
-                      </a:r>
-                    </a:p>
-                  </a:txBody>
-                  <a:tcPr/>
-                </a:tc>
-                <a:tc>
-                  <a:txBody>
-                    <a:bodyPr/>
-                    <a:lstStyle/>
-                    <a:p>
-                      <a:r>
-                        <a:t>1.2840243087759435e-08</a:t>
+                        <a:t>Idling time percentage</a:t>
+                      </a:r>
+                    </a:p>
+                  </a:txBody>
+                  <a:tcPr/>
+                </a:tc>
+                <a:tc>
+                  <a:txBody>
+                    <a:bodyPr/>
+                    <a:lstStyle/>
+                    <a:p>
+                      <a:r>
+                        <a:t>1.060945971209572</a:t>
                       </a:r>
                     </a:p>
                   </a:txBody>
@@ -4315,19 +4315,19 @@
                     <a:lstStyle/>
                     <a:p>
                       <a:r>
-                        <a:t>Idling time percentage</a:t>
-                      </a:r>
-                    </a:p>
-                  </a:txBody>
-                  <a:tcPr/>
-                </a:tc>
-                <a:tc>
-                  <a:txBody>
-                    <a:bodyPr/>
-                    <a:lstStyle/>
-                    <a:p>
-                      <a:r>
-                        <a:t>1.3204389064534128</a:t>
+                        <a:t>Time spent in 0-10 km/h</a:t>
+                      </a:r>
+                    </a:p>
+                  </a:txBody>
+                  <a:tcPr/>
+                </a:tc>
+                <a:tc>
+                  <a:txBody>
+                    <a:bodyPr/>
+                    <a:lstStyle/>
+                    <a:p>
+                      <a:r>
+                        <a:t>4.673770798280053</a:t>
                       </a:r>
                     </a:p>
                   </a:txBody>
@@ -4341,19 +4341,19 @@
                     <a:lstStyle/>
                     <a:p>
                       <a:r>
-                        <a:t>Time spent in 0-10 km/h</a:t>
-                      </a:r>
-                    </a:p>
-                  </a:txBody>
-                  <a:tcPr/>
-                </a:tc>
-                <a:tc>
-                  <a:txBody>
-                    <a:bodyPr/>
-                    <a:lstStyle/>
-                    <a:p>
-                      <a:r>
-                        <a:t>6.18374558303887</a:t>
+                        <a:t>Time spent in 10-20 km/h</a:t>
+                      </a:r>
+                    </a:p>
+                  </a:txBody>
+                  <a:tcPr/>
+                </a:tc>
+                <a:tc>
+                  <a:txBody>
+                    <a:bodyPr/>
+                    <a:lstStyle/>
+                    <a:p>
+                      <a:r>
+                        <a:t>6.566647971583474</a:t>
                       </a:r>
                     </a:p>
                   </a:txBody>
@@ -4367,19 +4367,19 @@
                     <a:lstStyle/>
                     <a:p>
                       <a:r>
-                        <a:t>Time spent in 10-20 km/h</a:t>
-                      </a:r>
-                    </a:p>
-                  </a:txBody>
-                  <a:tcPr/>
-                </a:tc>
-                <a:tc>
-                  <a:txBody>
-                    <a:bodyPr/>
-                    <a:lstStyle/>
-                    <a:p>
-                      <a:r>
-                        <a:t>6.578947368421052</a:t>
+                        <a:t>Time spent in 20-30 km/h</a:t>
+                      </a:r>
+                    </a:p>
+                  </a:txBody>
+                  <a:tcPr/>
+                </a:tc>
+                <a:tc>
+                  <a:txBody>
+                    <a:bodyPr/>
+                    <a:lstStyle/>
+                    <a:p>
+                      <a:r>
+                        <a:t>12.731351654514864</a:t>
                       </a:r>
                     </a:p>
                   </a:txBody>
@@ -4393,19 +4393,19 @@
                     <a:lstStyle/>
                     <a:p>
                       <a:r>
-                        <a:t>Time spent in 20-30 km/h</a:t>
-                      </a:r>
-                    </a:p>
-                  </a:txBody>
-                  <a:tcPr/>
-                </a:tc>
-                <a:tc>
-                  <a:txBody>
-                    <a:bodyPr/>
-                    <a:lstStyle/>
-                    <a:p>
-                      <a:r>
-                        <a:t>12.702250325460293</a:t>
+                        <a:t>Time spent in 30-40 km/h</a:t>
+                      </a:r>
+                    </a:p>
+                  </a:txBody>
+                  <a:tcPr/>
+                </a:tc>
+                <a:tc>
+                  <a:txBody>
+                    <a:bodyPr/>
+                    <a:lstStyle/>
+                    <a:p>
+                      <a:r>
+                        <a:t>52.182650962796785</a:t>
                       </a:r>
                     </a:p>
                   </a:txBody>
@@ -4419,19 +4419,19 @@
                     <a:lstStyle/>
                     <a:p>
                       <a:r>
-                        <a:t>Time spent in 30-40 km/h</a:t>
-                      </a:r>
-                    </a:p>
-                  </a:txBody>
-                  <a:tcPr/>
-                </a:tc>
-                <a:tc>
-                  <a:txBody>
-                    <a:bodyPr/>
-                    <a:lstStyle/>
-                    <a:p>
-                      <a:r>
-                        <a:t>51.9434628975265</a:t>
+                        <a:t>Time spent in 40-50 km/h</a:t>
+                      </a:r>
+                    </a:p>
+                  </a:txBody>
+                  <a:tcPr/>
+                </a:tc>
+                <a:tc>
+                  <a:txBody>
+                    <a:bodyPr/>
+                    <a:lstStyle/>
+                    <a:p>
+                      <a:r>
+                        <a:t>9.894372779958871</a:t>
                       </a:r>
                     </a:p>
                   </a:txBody>
@@ -4536,19 +4536,19 @@
                     <a:lstStyle/>
                     <a:p>
                       <a:r>
-                        <a:t>Time spent in 40-50 km/h</a:t>
-                      </a:r>
-                    </a:p>
-                  </a:txBody>
-                  <a:tcPr/>
-                </a:tc>
-                <a:tc>
-                  <a:txBody>
-                    <a:bodyPr/>
-                    <a:lstStyle/>
-                    <a:p>
-                      <a:r>
-                        <a:t>9.852148037939372</a:t>
+                        <a:t>Time spent in 50-60 km/h</a:t>
+                      </a:r>
+                    </a:p>
+                  </a:txBody>
+                  <a:tcPr/>
+                </a:tc>
+                <a:tc>
+                  <a:txBody>
+                    <a:bodyPr/>
+                    <a:lstStyle/>
+                    <a:p>
+                      <a:r>
+                        <a:t>7.393905402879043</a:t>
                       </a:r>
                     </a:p>
                   </a:txBody>
@@ -4562,19 +4562,19 @@
                     <a:lstStyle/>
                     <a:p>
                       <a:r>
-                        <a:t>Time spent in 50-60 km/h</a:t>
-                      </a:r>
-                    </a:p>
-                  </a:txBody>
-                  <a:tcPr/>
-                </a:tc>
-                <a:tc>
-                  <a:txBody>
-                    <a:bodyPr/>
-                    <a:lstStyle/>
-                    <a:p>
-                      <a:r>
-                        <a:t>7.374000371954621</a:t>
+                        <a:t>Time spent in 60-70 km/h</a:t>
+                      </a:r>
+                    </a:p>
+                  </a:txBody>
+                  <a:tcPr/>
+                </a:tc>
+                <a:tc>
+                  <a:txBody>
+                    <a:bodyPr/>
+                    <a:lstStyle/>
+                    <a:p>
+                      <a:r>
+                        <a:t>4.40269209197981</a:t>
                       </a:r>
                     </a:p>
                   </a:txBody>
@@ -4588,19 +4588,19 @@
                     <a:lstStyle/>
                     <a:p>
                       <a:r>
-                        <a:t>Time spent in 60-70 km/h</a:t>
-                      </a:r>
-                    </a:p>
-                  </a:txBody>
-                  <a:tcPr/>
-                </a:tc>
-                <a:tc>
-                  <a:txBody>
-                    <a:bodyPr/>
-                    <a:lstStyle/>
-                    <a:p>
-                      <a:r>
-                        <a:t>4.389064534126836</a:t>
+                        <a:t>Time spent in 70-80 km/h</a:t>
+                      </a:r>
+                    </a:p>
+                  </a:txBody>
+                  <a:tcPr/>
+                </a:tc>
+                <a:tc>
+                  <a:txBody>
+                    <a:bodyPr/>
+                    <a:lstStyle/>
+                    <a:p>
+                      <a:r>
+                        <a:t>0.9768180968405309</a:t>
                       </a:r>
                     </a:p>
                   </a:txBody>
@@ -4612,15 +4612,23 @@
                   <a:txBody>
                     <a:bodyPr/>
                     <a:lstStyle/>
-                    <a:p/>
-                  </a:txBody>
-                  <a:tcPr/>
-                </a:tc>
-                <a:tc>
-                  <a:txBody>
-                    <a:bodyPr/>
-                    <a:lstStyle/>
-                    <a:p/>
+                    <a:p>
+                      <a:r>
+                        <a:t>Time spent in 80-90 km/h</a:t>
+                      </a:r>
+                    </a:p>
+                  </a:txBody>
+                  <a:tcPr/>
+                </a:tc>
+                <a:tc>
+                  <a:txBody>
+                    <a:bodyPr/>
+                    <a:lstStyle/>
+                    <a:p>
+                      <a:r>
+                        <a:t>0.0</a:t>
+                      </a:r>
+                    </a:p>
                   </a:txBody>
                   <a:tcPr/>
                 </a:tc>

--- a/Automationdashboard/MAIN_FOLDER/Automation_Dashboard_Batterywise/V2/D11_03_2024/B4_BT06_17.05_17.45/analysis_B4_BT06_17.05_17.45.pptx
+++ b/Automationdashboard/MAIN_FOLDER/Automation_Dashboard_Batterywise/V2/D11_03_2024/B4_BT06_17.05_17.45/analysis_B4_BT06_17.05_17.45.pptx
@@ -3234,6 +3234,32 @@
                     <a:lstStyle/>
                     <a:p>
                       <a:r>
+                        <a:t>Date and Time</a:t>
+                      </a:r>
+                    </a:p>
+                  </a:txBody>
+                  <a:tcPr/>
+                </a:tc>
+                <a:tc>
+                  <a:txBody>
+                    <a:bodyPr/>
+                    <a:lstStyle/>
+                    <a:p>
+                      <a:r>
+                        <a:t>2024-03-11 17:05:16.843000 to 2024-03-11 17:45:12.156000</a:t>
+                      </a:r>
+                    </a:p>
+                  </a:txBody>
+                  <a:tcPr/>
+                </a:tc>
+              </a:tr>
+              <a:tr h="326571">
+                <a:tc>
+                  <a:txBody>
+                    <a:bodyPr/>
+                    <a:lstStyle/>
+                    <a:p>
+                      <a:r>
                         <a:t>Total time taken for the ride</a:t>
                       </a:r>
                     </a:p>
@@ -3376,6 +3402,32 @@
                     <a:lstStyle/>
                     <a:p>
                       <a:r>
+                        <a:t>63.0</a:t>
+                      </a:r>
+                    </a:p>
+                  </a:txBody>
+                  <a:tcPr/>
+                </a:tc>
+              </a:tr>
+              <a:tr h="326571">
+                <a:tc>
+                  <a:txBody>
+                    <a:bodyPr/>
+                    <a:lstStyle/>
+                    <a:p>
+                      <a:r>
+                        <a:t>Ending SoC (%)</a:t>
+                      </a:r>
+                    </a:p>
+                  </a:txBody>
+                  <a:tcPr/>
+                </a:tc>
+                <a:tc>
+                  <a:txBody>
+                    <a:bodyPr/>
+                    <a:lstStyle/>
+                    <a:p>
+                      <a:r>
                         <a:t>8.0</a:t>
                       </a:r>
                     </a:p>
@@ -3390,19 +3442,19 @@
                     <a:lstStyle/>
                     <a:p>
                       <a:r>
-                        <a:t>Ending SoC (%)</a:t>
-                      </a:r>
-                    </a:p>
-                  </a:txBody>
-                  <a:tcPr/>
-                </a:tc>
-                <a:tc>
-                  <a:txBody>
-                    <a:bodyPr/>
-                    <a:lstStyle/>
-                    <a:p>
-                      <a:r>
-                        <a:t>63.0</a:t>
+                        <a:t>Total distance covered (km)</a:t>
+                      </a:r>
+                    </a:p>
+                  </a:txBody>
+                  <a:tcPr/>
+                </a:tc>
+                <a:tc>
+                  <a:txBody>
+                    <a:bodyPr/>
+                    <a:lstStyle/>
+                    <a:p>
+                      <a:r>
+                        <a:t>24.58373603844754</a:t>
                       </a:r>
                     </a:p>
                   </a:txBody>
@@ -3416,19 +3468,19 @@
                     <a:lstStyle/>
                     <a:p>
                       <a:r>
-                        <a:t>Total distance covered (in kilometers)</a:t>
-                      </a:r>
-                    </a:p>
-                  </a:txBody>
-                  <a:tcPr/>
-                </a:tc>
-                <a:tc>
-                  <a:txBody>
-                    <a:bodyPr/>
-                    <a:lstStyle/>
-                    <a:p>
-                      <a:r>
-                        <a:t>24.58373603844754</a:t>
+                        <a:t>Total energy consumption(WH/KM)</a:t>
+                      </a:r>
+                    </a:p>
+                  </a:txBody>
+                  <a:tcPr/>
+                </a:tc>
+                <a:tc>
+                  <a:txBody>
+                    <a:bodyPr/>
+                    <a:lstStyle/>
+                    <a:p>
+                      <a:r>
+                        <a:t>43.040039967105564</a:t>
                       </a:r>
                     </a:p>
                   </a:txBody>
@@ -3442,19 +3494,19 @@
                     <a:lstStyle/>
                     <a:p>
                       <a:r>
-                        <a:t>WH/KM</a:t>
-                      </a:r>
-                    </a:p>
-                  </a:txBody>
-                  <a:tcPr/>
-                </a:tc>
-                <a:tc>
-                  <a:txBody>
-                    <a:bodyPr/>
-                    <a:lstStyle/>
-                    <a:p>
-                      <a:r>
-                        <a:t>43.040039967105564</a:t>
+                        <a:t>Total SOC consumed(%)</a:t>
+                      </a:r>
+                    </a:p>
+                  </a:txBody>
+                  <a:tcPr/>
+                </a:tc>
+                <a:tc>
+                  <a:txBody>
+                    <a:bodyPr/>
+                    <a:lstStyle/>
+                    <a:p>
+                      <a:r>
+                        <a:t>55.0</a:t>
                       </a:r>
                     </a:p>
                   </a:txBody>
@@ -3468,32 +3520,6 @@
                     <a:lstStyle/>
                     <a:p>
                       <a:r>
-                        <a:t>Total SOC consumed</a:t>
-                      </a:r>
-                    </a:p>
-                  </a:txBody>
-                  <a:tcPr/>
-                </a:tc>
-                <a:tc>
-                  <a:txBody>
-                    <a:bodyPr/>
-                    <a:lstStyle/>
-                    <a:p>
-                      <a:r>
-                        <a:t>55.0</a:t>
-                      </a:r>
-                    </a:p>
-                  </a:txBody>
-                  <a:tcPr/>
-                </a:tc>
-              </a:tr>
-              <a:tr h="326571">
-                <a:tc>
-                  <a:txBody>
-                    <a:bodyPr/>
-                    <a:lstStyle/>
-                    <a:p>
-                      <a:r>
                         <a:t>Mode</a:t>
                       </a:r>
                     </a:p>
@@ -3528,14 +3554,14 @@
                   <a:tcPr/>
                 </a:tc>
               </a:tr>
-              <a:tr h="326571">
-                <a:tc>
-                  <a:txBody>
-                    <a:bodyPr/>
-                    <a:lstStyle/>
-                    <a:p>
-                      <a:r>
-                        <a:t>Peak Power</a:t>
+              <a:tr h="326577">
+                <a:tc>
+                  <a:txBody>
+                    <a:bodyPr/>
+                    <a:lstStyle/>
+                    <a:p>
+                      <a:r>
+                        <a:t>Peak Power(kW)</a:t>
                       </a:r>
                     </a:p>
                   </a:txBody>
@@ -3548,32 +3574,6 @@
                     <a:p>
                       <a:r>
                         <a:t>5176.618119</a:t>
-                      </a:r>
-                    </a:p>
-                  </a:txBody>
-                  <a:tcPr/>
-                </a:tc>
-              </a:tr>
-              <a:tr h="326577">
-                <a:tc>
-                  <a:txBody>
-                    <a:bodyPr/>
-                    <a:lstStyle/>
-                    <a:p>
-                      <a:r>
-                        <a:t>Average Power</a:t>
-                      </a:r>
-                    </a:p>
-                  </a:txBody>
-                  <a:tcPr/>
-                </a:tc>
-                <a:tc>
-                  <a:txBody>
-                    <a:bodyPr/>
-                    <a:lstStyle/>
-                    <a:p>
-                      <a:r>
-                        <a:t>-1595.1029873902849</a:t>
                       </a:r>
                     </a:p>
                   </a:txBody>
@@ -3678,7 +3678,33 @@
                     <a:lstStyle/>
                     <a:p>
                       <a:r>
-                        <a:t>Total Energy Regenerated</a:t>
+                        <a:t>Average Power(kW)</a:t>
+                      </a:r>
+                    </a:p>
+                  </a:txBody>
+                  <a:tcPr/>
+                </a:tc>
+                <a:tc>
+                  <a:txBody>
+                    <a:bodyPr/>
+                    <a:lstStyle/>
+                    <a:p>
+                      <a:r>
+                        <a:t>-1595.1029873902849</a:t>
+                      </a:r>
+                    </a:p>
+                  </a:txBody>
+                  <a:tcPr/>
+                </a:tc>
+              </a:tr>
+              <a:tr h="326571">
+                <a:tc>
+                  <a:txBody>
+                    <a:bodyPr/>
+                    <a:lstStyle/>
+                    <a:p>
+                      <a:r>
+                        <a:t>Total Energy Regenerated(kWh)</a:t>
                       </a:r>
                     </a:p>
                   </a:txBody>
@@ -3704,19 +3730,19 @@
                     <a:lstStyle/>
                     <a:p>
                       <a:r>
-                        <a:t>Regenerative Effectiveness</a:t>
-                      </a:r>
-                    </a:p>
-                  </a:txBody>
-                  <a:tcPr/>
-                </a:tc>
-                <a:tc>
-                  <a:txBody>
-                    <a:bodyPr/>
-                    <a:lstStyle/>
-                    <a:p>
-                      <a:r>
-                        <a:t>-0.005769735277205185</a:t>
+                        <a:t>Regenerative Effectiveness(%)</a:t>
+                      </a:r>
+                    </a:p>
+                  </a:txBody>
+                  <a:tcPr/>
+                </a:tc>
+                <a:tc>
+                  <a:txBody>
+                    <a:bodyPr/>
+                    <a:lstStyle/>
+                    <a:p>
+                      <a:r>
+                        <a:t>0.005769735277205185</a:t>
                       </a:r>
                     </a:p>
                   </a:txBody>
@@ -3730,7 +3756,33 @@
                     <a:lstStyle/>
                     <a:p>
                       <a:r>
-                        <a:t>Lowest Cell Voltage</a:t>
+                        <a:t>Highest Cell Voltage(V)</a:t>
+                      </a:r>
+                    </a:p>
+                  </a:txBody>
+                  <a:tcPr/>
+                </a:tc>
+                <a:tc>
+                  <a:txBody>
+                    <a:bodyPr/>
+                    <a:lstStyle/>
+                    <a:p>
+                      <a:r>
+                        <a:t>3.338</a:t>
+                      </a:r>
+                    </a:p>
+                  </a:txBody>
+                  <a:tcPr/>
+                </a:tc>
+              </a:tr>
+              <a:tr h="326571">
+                <a:tc>
+                  <a:txBody>
+                    <a:bodyPr/>
+                    <a:lstStyle/>
+                    <a:p>
+                      <a:r>
+                        <a:t>Lowest Cell Voltage(V)</a:t>
                       </a:r>
                     </a:p>
                   </a:txBody>
@@ -3756,19 +3808,19 @@
                     <a:lstStyle/>
                     <a:p>
                       <a:r>
-                        <a:t>Highest Cell Voltage</a:t>
-                      </a:r>
-                    </a:p>
-                  </a:txBody>
-                  <a:tcPr/>
-                </a:tc>
-                <a:tc>
-                  <a:txBody>
-                    <a:bodyPr/>
-                    <a:lstStyle/>
-                    <a:p>
-                      <a:r>
-                        <a:t>3.338</a:t>
+                        <a:t>Difference in Cell Voltage(V)</a:t>
+                      </a:r>
+                    </a:p>
+                  </a:txBody>
+                  <a:tcPr/>
+                </a:tc>
+                <a:tc>
+                  <a:txBody>
+                    <a:bodyPr/>
+                    <a:lstStyle/>
+                    <a:p>
+                      <a:r>
+                        <a:t>0.30400000000000027</a:t>
                       </a:r>
                     </a:p>
                   </a:txBody>
@@ -3782,19 +3834,19 @@
                     <a:lstStyle/>
                     <a:p>
                       <a:r>
-                        <a:t>Difference in Cell Voltage</a:t>
-                      </a:r>
-                    </a:p>
-                  </a:txBody>
-                  <a:tcPr/>
-                </a:tc>
-                <a:tc>
-                  <a:txBody>
-                    <a:bodyPr/>
-                    <a:lstStyle/>
-                    <a:p>
-                      <a:r>
-                        <a:t>0.30400000000000027</a:t>
+                        <a:t>Minimum Temperature(C)</a:t>
+                      </a:r>
+                    </a:p>
+                  </a:txBody>
+                  <a:tcPr/>
+                </a:tc>
+                <a:tc>
+                  <a:txBody>
+                    <a:bodyPr/>
+                    <a:lstStyle/>
+                    <a:p>
+                      <a:r>
+                        <a:t>40.0</a:t>
                       </a:r>
                     </a:p>
                   </a:txBody>
@@ -3808,19 +3860,19 @@
                     <a:lstStyle/>
                     <a:p>
                       <a:r>
-                        <a:t>Minimum Temperature</a:t>
-                      </a:r>
-                    </a:p>
-                  </a:txBody>
-                  <a:tcPr/>
-                </a:tc>
-                <a:tc>
-                  <a:txBody>
-                    <a:bodyPr/>
-                    <a:lstStyle/>
-                    <a:p>
-                      <a:r>
-                        <a:t>40.0</a:t>
+                        <a:t>Maximum Temperature(C)</a:t>
+                      </a:r>
+                    </a:p>
+                  </a:txBody>
+                  <a:tcPr/>
+                </a:tc>
+                <a:tc>
+                  <a:txBody>
+                    <a:bodyPr/>
+                    <a:lstStyle/>
+                    <a:p>
+                      <a:r>
+                        <a:t>47.0</a:t>
                       </a:r>
                     </a:p>
                   </a:txBody>
@@ -3834,19 +3886,19 @@
                     <a:lstStyle/>
                     <a:p>
                       <a:r>
-                        <a:t>Maximum Temperature</a:t>
-                      </a:r>
-                    </a:p>
-                  </a:txBody>
-                  <a:tcPr/>
-                </a:tc>
-                <a:tc>
-                  <a:txBody>
-                    <a:bodyPr/>
-                    <a:lstStyle/>
-                    <a:p>
-                      <a:r>
-                        <a:t>47.0</a:t>
+                        <a:t>Difference in Temperature(C)</a:t>
+                      </a:r>
+                    </a:p>
+                  </a:txBody>
+                  <a:tcPr/>
+                </a:tc>
+                <a:tc>
+                  <a:txBody>
+                    <a:bodyPr/>
+                    <a:lstStyle/>
+                    <a:p>
+                      <a:r>
+                        <a:t>7.0</a:t>
                       </a:r>
                     </a:p>
                   </a:txBody>
@@ -3860,19 +3912,19 @@
                     <a:lstStyle/>
                     <a:p>
                       <a:r>
-                        <a:t>Difference in Temperature</a:t>
-                      </a:r>
-                    </a:p>
-                  </a:txBody>
-                  <a:tcPr/>
-                </a:tc>
-                <a:tc>
-                  <a:txBody>
-                    <a:bodyPr/>
-                    <a:lstStyle/>
-                    <a:p>
-                      <a:r>
-                        <a:t>nan</a:t>
+                        <a:t>Maximum Fet Temperature-BMS(C)</a:t>
+                      </a:r>
+                    </a:p>
+                  </a:txBody>
+                  <a:tcPr/>
+                </a:tc>
+                <a:tc>
+                  <a:txBody>
+                    <a:bodyPr/>
+                    <a:lstStyle/>
+                    <a:p>
+                      <a:r>
+                        <a:t>66.0</a:t>
                       </a:r>
                     </a:p>
                   </a:txBody>
@@ -3886,19 +3938,19 @@
                     <a:lstStyle/>
                     <a:p>
                       <a:r>
-                        <a:t>Maximum Fet Temperature</a:t>
-                      </a:r>
-                    </a:p>
-                  </a:txBody>
-                  <a:tcPr/>
-                </a:tc>
-                <a:tc>
-                  <a:txBody>
-                    <a:bodyPr/>
-                    <a:lstStyle/>
-                    <a:p>
-                      <a:r>
-                        <a:t>66.0</a:t>
+                        <a:t>Maximum Afe Temperature-BMS(C)</a:t>
+                      </a:r>
+                    </a:p>
+                  </a:txBody>
+                  <a:tcPr/>
+                </a:tc>
+                <a:tc>
+                  <a:txBody>
+                    <a:bodyPr/>
+                    <a:lstStyle/>
+                    <a:p>
+                      <a:r>
+                        <a:t>61.0</a:t>
                       </a:r>
                     </a:p>
                   </a:txBody>
@@ -3912,33 +3964,7 @@
                     <a:lstStyle/>
                     <a:p>
                       <a:r>
-                        <a:t>Maximum Afe Temperature</a:t>
-                      </a:r>
-                    </a:p>
-                  </a:txBody>
-                  <a:tcPr/>
-                </a:tc>
-                <a:tc>
-                  <a:txBody>
-                    <a:bodyPr/>
-                    <a:lstStyle/>
-                    <a:p>
-                      <a:r>
-                        <a:t>61.0</a:t>
-                      </a:r>
-                    </a:p>
-                  </a:txBody>
-                  <a:tcPr/>
-                </a:tc>
-              </a:tr>
-              <a:tr h="326571">
-                <a:tc>
-                  <a:txBody>
-                    <a:bodyPr/>
-                    <a:lstStyle/>
-                    <a:p>
-                      <a:r>
-                        <a:t>Maximum PCB Temperature</a:t>
+                        <a:t>Maximum PCB Temperature-BMS(C)</a:t>
                       </a:r>
                     </a:p>
                   </a:txBody>
@@ -3957,14 +3983,14 @@
                   <a:tcPr/>
                 </a:tc>
               </a:tr>
-              <a:tr h="326571">
-                <a:tc>
-                  <a:txBody>
-                    <a:bodyPr/>
-                    <a:lstStyle/>
-                    <a:p>
-                      <a:r>
-                        <a:t>Maximum MCU Temperature</a:t>
+              <a:tr h="326577">
+                <a:tc>
+                  <a:txBody>
+                    <a:bodyPr/>
+                    <a:lstStyle/>
+                    <a:p>
+                      <a:r>
+                        <a:t>Maximum MCU Temperature(C)</a:t>
                       </a:r>
                     </a:p>
                   </a:txBody>
@@ -3977,32 +4003,6 @@
                     <a:p>
                       <a:r>
                         <a:t>68.0</a:t>
-                      </a:r>
-                    </a:p>
-                  </a:txBody>
-                  <a:tcPr/>
-                </a:tc>
-              </a:tr>
-              <a:tr h="326577">
-                <a:tc>
-                  <a:txBody>
-                    <a:bodyPr/>
-                    <a:lstStyle/>
-                    <a:p>
-                      <a:r>
-                        <a:t>Maximum Motor Temperature</a:t>
-                      </a:r>
-                    </a:p>
-                  </a:txBody>
-                  <a:tcPr/>
-                </a:tc>
-                <a:tc>
-                  <a:txBody>
-                    <a:bodyPr/>
-                    <a:lstStyle/>
-                    <a:p>
-                      <a:r>
-                        <a:t>98.0</a:t>
                       </a:r>
                     </a:p>
                   </a:txBody>
@@ -4107,7 +4107,33 @@
                     <a:lstStyle/>
                     <a:p>
                       <a:r>
-                        <a:t>Abnormal Motor Temperature Detected</a:t>
+                        <a:t>Maximum Motor Temperature(C)</a:t>
+                      </a:r>
+                    </a:p>
+                  </a:txBody>
+                  <a:tcPr/>
+                </a:tc>
+                <a:tc>
+                  <a:txBody>
+                    <a:bodyPr/>
+                    <a:lstStyle/>
+                    <a:p>
+                      <a:r>
+                        <a:t>98.0</a:t>
+                      </a:r>
+                    </a:p>
+                  </a:txBody>
+                  <a:tcPr/>
+                </a:tc>
+              </a:tr>
+              <a:tr h="326571">
+                <a:tc>
+                  <a:txBody>
+                    <a:bodyPr/>
+                    <a:lstStyle/>
+                    <a:p>
+                      <a:r>
+                        <a:t>Abnormal Motor Temperature Detected(C)</a:t>
                       </a:r>
                     </a:p>
                   </a:txBody>
@@ -4133,7 +4159,7 @@
                     <a:lstStyle/>
                     <a:p>
                       <a:r>
-                        <a:t>lowest cell temp</a:t>
+                        <a:t>highest cell temp(C)</a:t>
                       </a:r>
                     </a:p>
                   </a:txBody>
@@ -4159,7 +4185,7 @@
                     <a:lstStyle/>
                     <a:p>
                       <a:r>
-                        <a:t>highest cell temp</a:t>
+                        <a:t>lowest cell temp(C)</a:t>
                       </a:r>
                     </a:p>
                   </a:txBody>
@@ -4185,7 +4211,7 @@
                     <a:lstStyle/>
                     <a:p>
                       <a:r>
-                        <a:t>Difference between Highest and Lowest Cell Temperature at 100% SOC</a:t>
+                        <a:t>Difference between Highest and Lowest Cell Temperature at 100% SOC(C)</a:t>
                       </a:r>
                     </a:p>
                   </a:txBody>
@@ -4211,19 +4237,19 @@
                     <a:lstStyle/>
                     <a:p>
                       <a:r>
-                        <a:t>Maximum BMS Temperature in C</a:t>
-                      </a:r>
-                    </a:p>
-                  </a:txBody>
-                  <a:tcPr/>
-                </a:tc>
-                <a:tc>
-                  <a:txBody>
-                    <a:bodyPr/>
-                    <a:lstStyle/>
-                    <a:p>
-                      <a:r>
-                        <a:t>66.0</a:t>
+                        <a:t>Battery Voltage(V)</a:t>
+                      </a:r>
+                    </a:p>
+                  </a:txBody>
+                  <a:tcPr/>
+                </a:tc>
+                <a:tc>
+                  <a:txBody>
+                    <a:bodyPr/>
+                    <a:lstStyle/>
+                    <a:p>
+                      <a:r>
+                        <a:t>53.0</a:t>
                       </a:r>
                     </a:p>
                   </a:txBody>
@@ -4237,19 +4263,19 @@
                     <a:lstStyle/>
                     <a:p>
                       <a:r>
-                        <a:t>Battery Voltage</a:t>
-                      </a:r>
-                    </a:p>
-                  </a:txBody>
-                  <a:tcPr/>
-                </a:tc>
-                <a:tc>
-                  <a:txBody>
-                    <a:bodyPr/>
-                    <a:lstStyle/>
-                    <a:p>
-                      <a:r>
-                        <a:t>5.3</a:t>
+                        <a:t>Total energy charged(kWh)</a:t>
+                      </a:r>
+                    </a:p>
+                  </a:txBody>
+                  <a:tcPr/>
+                </a:tc>
+                <a:tc>
+                  <a:txBody>
+                    <a:bodyPr/>
+                    <a:lstStyle/>
+                    <a:p>
+                      <a:r>
+                        <a:t>1.107548007777778</a:t>
                       </a:r>
                     </a:p>
                   </a:txBody>
@@ -4263,19 +4289,19 @@
                     <a:lstStyle/>
                     <a:p>
                       <a:r>
-                        <a:t>Total energy charged in kWh</a:t>
-                      </a:r>
-                    </a:p>
-                  </a:txBody>
-                  <a:tcPr/>
-                </a:tc>
-                <a:tc>
-                  <a:txBody>
-                    <a:bodyPr/>
-                    <a:lstStyle/>
-                    <a:p>
-                      <a:r>
-                        <a:t>0.11075480077777779</a:t>
+                        <a:t>Electricity consumption units(kW)</a:t>
+                      </a:r>
+                    </a:p>
+                  </a:txBody>
+                  <a:tcPr/>
+                </a:tc>
+                <a:tc>
+                  <a:txBody>
+                    <a:bodyPr/>
+                    <a:lstStyle/>
+                    <a:p>
+                      <a:r>
+                        <a:t>1.2840243087759436e-07</a:t>
                       </a:r>
                     </a:p>
                   </a:txBody>
@@ -4289,19 +4315,19 @@
                     <a:lstStyle/>
                     <a:p>
                       <a:r>
-                        <a:t>Electricity consumption units in kW</a:t>
-                      </a:r>
-                    </a:p>
-                  </a:txBody>
-                  <a:tcPr/>
-                </a:tc>
-                <a:tc>
-                  <a:txBody>
-                    <a:bodyPr/>
-                    <a:lstStyle/>
-                    <a:p>
-                      <a:r>
-                        <a:t>1.2840243087759435e-08</a:t>
+                        <a:t>Cycle Count of battery</a:t>
+                      </a:r>
+                    </a:p>
+                  </a:txBody>
+                  <a:tcPr/>
+                </a:tc>
+                <a:tc>
+                  <a:txBody>
+                    <a:bodyPr/>
+                    <a:lstStyle/>
+                    <a:p>
+                      <a:r>
+                        <a:t>38.0</a:t>
                       </a:r>
                     </a:p>
                   </a:txBody>
@@ -4353,7 +4379,7 @@
                     <a:lstStyle/>
                     <a:p>
                       <a:r>
-                        <a:t>6.18374558303887</a:t>
+                        <a:t>4.863306676585457</a:t>
                       </a:r>
                     </a:p>
                   </a:txBody>
@@ -4379,14 +4405,14 @@
                     <a:lstStyle/>
                     <a:p>
                       <a:r>
-                        <a:t>6.578947368421052</a:t>
-                      </a:r>
-                    </a:p>
-                  </a:txBody>
-                  <a:tcPr/>
-                </a:tc>
-              </a:tr>
-              <a:tr h="326571">
+                        <a:t>6.57429793565185</a:t>
+                      </a:r>
+                    </a:p>
+                  </a:txBody>
+                  <a:tcPr/>
+                </a:tc>
+              </a:tr>
+              <a:tr h="326577">
                 <a:tc>
                   <a:txBody>
                     <a:bodyPr/>
@@ -4405,33 +4431,7 @@
                     <a:lstStyle/>
                     <a:p>
                       <a:r>
-                        <a:t>12.702250325460293</a:t>
-                      </a:r>
-                    </a:p>
-                  </a:txBody>
-                  <a:tcPr/>
-                </a:tc>
-              </a:tr>
-              <a:tr h="326577">
-                <a:tc>
-                  <a:txBody>
-                    <a:bodyPr/>
-                    <a:lstStyle/>
-                    <a:p>
-                      <a:r>
-                        <a:t>Time spent in 30-40 km/h</a:t>
-                      </a:r>
-                    </a:p>
-                  </a:txBody>
-                  <a:tcPr/>
-                </a:tc>
-                <a:tc>
-                  <a:txBody>
-                    <a:bodyPr/>
-                    <a:lstStyle/>
-                    <a:p>
-                      <a:r>
-                        <a:t>51.9434628975265</a:t>
+                        <a:t>12.665054863306677</a:t>
                       </a:r>
                     </a:p>
                   </a:txBody>
@@ -4536,6 +4536,32 @@
                     <a:lstStyle/>
                     <a:p>
                       <a:r>
+                        <a:t>Time spent in 30-40 km/h</a:t>
+                      </a:r>
+                    </a:p>
+                  </a:txBody>
+                  <a:tcPr/>
+                </a:tc>
+                <a:tc>
+                  <a:txBody>
+                    <a:bodyPr/>
+                    <a:lstStyle/>
+                    <a:p>
+                      <a:r>
+                        <a:t>51.91091686814209</a:t>
+                      </a:r>
+                    </a:p>
+                  </a:txBody>
+                  <a:tcPr/>
+                </a:tc>
+              </a:tr>
+              <a:tr h="326571">
+                <a:tc>
+                  <a:txBody>
+                    <a:bodyPr/>
+                    <a:lstStyle/>
+                    <a:p>
+                      <a:r>
                         <a:t>Time spent in 40-50 km/h</a:t>
                       </a:r>
                     </a:p>
@@ -4548,7 +4574,7 @@
                     <a:lstStyle/>
                     <a:p>
                       <a:r>
-                        <a:t>9.852148037939372</a:t>
+                        <a:t>9.842849172400966</a:t>
                       </a:r>
                     </a:p>
                   </a:txBody>
@@ -4574,7 +4600,7 @@
                     <a:lstStyle/>
                     <a:p>
                       <a:r>
-                        <a:t>7.374000371954621</a:t>
+                        <a:t>7.355402640877813</a:t>
                       </a:r>
                     </a:p>
                   </a:txBody>
@@ -4600,7 +4626,7 @@
                     <a:lstStyle/>
                     <a:p>
                       <a:r>
-                        <a:t>4.389064534126836</a:t>
+                        <a:t>4.379765668588432</a:t>
                       </a:r>
                     </a:p>
                   </a:txBody>
@@ -4612,15 +4638,23 @@
                   <a:txBody>
                     <a:bodyPr/>
                     <a:lstStyle/>
-                    <a:p/>
-                  </a:txBody>
-                  <a:tcPr/>
-                </a:tc>
-                <a:tc>
-                  <a:txBody>
-                    <a:bodyPr/>
-                    <a:lstStyle/>
-                    <a:p/>
+                    <a:p>
+                      <a:r>
+                        <a:t>Time spent in 70-80 km/h</a:t>
+                      </a:r>
+                    </a:p>
+                  </a:txBody>
+                  <a:tcPr/>
+                </a:tc>
+                <a:tc>
+                  <a:txBody>
+                    <a:bodyPr/>
+                    <a:lstStyle/>
+                    <a:p>
+                      <a:r>
+                        <a:t>0.9717314487632509</a:t>
+                      </a:r>
+                    </a:p>
                   </a:txBody>
                   <a:tcPr/>
                 </a:tc>
@@ -4630,33 +4664,23 @@
                   <a:txBody>
                     <a:bodyPr/>
                     <a:lstStyle/>
-                    <a:p/>
-                  </a:txBody>
-                  <a:tcPr/>
-                </a:tc>
-                <a:tc>
-                  <a:txBody>
-                    <a:bodyPr/>
-                    <a:lstStyle/>
-                    <a:p/>
-                  </a:txBody>
-                  <a:tcPr/>
-                </a:tc>
-              </a:tr>
-              <a:tr h="326571">
-                <a:tc>
-                  <a:txBody>
-                    <a:bodyPr/>
-                    <a:lstStyle/>
-                    <a:p/>
-                  </a:txBody>
-                  <a:tcPr/>
-                </a:tc>
-                <a:tc>
-                  <a:txBody>
-                    <a:bodyPr/>
-                    <a:lstStyle/>
-                    <a:p/>
+                    <a:p>
+                      <a:r>
+                        <a:t>Time spent in 80-90 km/h</a:t>
+                      </a:r>
+                    </a:p>
+                  </a:txBody>
+                  <a:tcPr/>
+                </a:tc>
+                <a:tc>
+                  <a:txBody>
+                    <a:bodyPr/>
+                    <a:lstStyle/>
+                    <a:p>
+                      <a:r>
+                        <a:t>0.0</a:t>
+                      </a:r>
+                    </a:p>
                   </a:txBody>
                   <a:tcPr/>
                 </a:tc>
